--- a/web/documents/prezentacia.pptx
+++ b/web/documents/prezentacia.pptx
@@ -5,7 +5,7 @@
     <p:sldMasterId id="2147483648" r:id="rId1"/>
   </p:sldMasterIdLst>
   <p:notesMasterIdLst>
-    <p:notesMasterId r:id="rId12"/>
+    <p:notesMasterId r:id="rId14"/>
   </p:notesMasterIdLst>
   <p:sldIdLst>
     <p:sldId id="256" r:id="rId2"/>
@@ -15,9 +15,11 @@
     <p:sldId id="269" r:id="rId6"/>
     <p:sldId id="270" r:id="rId7"/>
     <p:sldId id="259" r:id="rId8"/>
-    <p:sldId id="272" r:id="rId9"/>
-    <p:sldId id="273" r:id="rId10"/>
-    <p:sldId id="266" r:id="rId11"/>
+    <p:sldId id="274" r:id="rId9"/>
+    <p:sldId id="275" r:id="rId10"/>
+    <p:sldId id="272" r:id="rId11"/>
+    <p:sldId id="273" r:id="rId12"/>
+    <p:sldId id="266" r:id="rId13"/>
   </p:sldIdLst>
   <p:sldSz cx="13004800" cy="9753600"/>
   <p:notesSz cx="6858000" cy="9144000"/>
@@ -319,6 +321,11 @@
       </a:defRPr>
     </a:lvl9pPr>
   </p:defaultTextStyle>
+  <p:extLst>
+    <p:ext uri="{EFAFB233-063F-42B5-8137-9DF3F51BA10A}">
+      <p15:sldGuideLst xmlns:p15="http://schemas.microsoft.com/office/powerpoint/2012/main"/>
+    </p:ext>
+  </p:extLst>
 </p:presentation>
 </file>
 
@@ -2127,7 +2134,7 @@
           </a:ln>
           <a:extLst>
             <a:ext uri="{C572A759-6A51-4108-AA02-DFA0A04FC94B}">
-              <ma14:wrappingTextBoxFlag xmlns:ma14="http://schemas.microsoft.com/office/mac/drawingml/2011/main" xmlns="" val="1"/>
+              <ma14:wrappingTextBoxFlag xmlns="" xmlns:ma14="http://schemas.microsoft.com/office/mac/drawingml/2011/main" val="1"/>
             </a:ext>
           </a:extLst>
         </p:spPr>
@@ -2166,7 +2173,7 @@
           </a:ln>
           <a:extLst>
             <a:ext uri="{C572A759-6A51-4108-AA02-DFA0A04FC94B}">
-              <ma14:wrappingTextBoxFlag xmlns:ma14="http://schemas.microsoft.com/office/mac/drawingml/2011/main" xmlns="" val="1"/>
+              <ma14:wrappingTextBoxFlag xmlns="" xmlns:ma14="http://schemas.microsoft.com/office/mac/drawingml/2011/main" val="1"/>
             </a:ext>
           </a:extLst>
         </p:spPr>
@@ -3214,6 +3221,220 @@
       </p:grpSpPr>
       <p:sp>
         <p:nvSpPr>
+          <p:cNvPr id="128" name="Shape 128"/>
+          <p:cNvSpPr>
+            <a:spLocks noGrp="1"/>
+          </p:cNvSpPr>
+          <p:nvPr>
+            <p:ph type="title"/>
+          </p:nvPr>
+        </p:nvSpPr>
+        <p:spPr>
+          <a:prstGeom prst="rect">
+            <a:avLst/>
+          </a:prstGeom>
+        </p:spPr>
+        <p:txBody>
+          <a:bodyPr/>
+          <a:lstStyle/>
+          <a:p>
+            <a:r>
+              <a:rPr lang="sk-SK" dirty="0"/>
+              <a:t>Literatúra</a:t>
+            </a:r>
+            <a:r>
+              <a:rPr dirty="0"/>
+              <a:t> </a:t>
+            </a:r>
+          </a:p>
+        </p:txBody>
+      </p:sp>
+      <p:sp>
+        <p:nvSpPr>
+          <p:cNvPr id="129" name="Shape 129"/>
+          <p:cNvSpPr>
+            <a:spLocks noGrp="1"/>
+          </p:cNvSpPr>
+          <p:nvPr>
+            <p:ph type="body" idx="1"/>
+          </p:nvPr>
+        </p:nvSpPr>
+        <p:spPr>
+          <a:xfrm>
+            <a:off x="952500" y="2603500"/>
+            <a:ext cx="10862668" cy="6286500"/>
+          </a:xfrm>
+          <a:prstGeom prst="rect">
+            <a:avLst/>
+          </a:prstGeom>
+        </p:spPr>
+        <p:txBody>
+          <a:bodyPr>
+            <a:normAutofit/>
+          </a:bodyPr>
+          <a:lstStyle/>
+          <a:p>
+            <a:r>
+              <a:rPr lang="en-US" dirty="0"/>
+              <a:t>PROBABILISTIC ROBOTICS</a:t>
+            </a:r>
+          </a:p>
+          <a:p>
+            <a:r>
+              <a:rPr lang="en-US" dirty="0"/>
+              <a:t>The CUDA HANDBOOK. A Comprehensive Guide to GPU Programming</a:t>
+            </a:r>
+          </a:p>
+        </p:txBody>
+      </p:sp>
+    </p:spTree>
+    <p:extLst>
+      <p:ext uri="{BB962C8B-B14F-4D97-AF65-F5344CB8AC3E}">
+        <p14:creationId xmlns:p14="http://schemas.microsoft.com/office/powerpoint/2010/main" val="1114701924"/>
+      </p:ext>
+    </p:extLst>
+  </p:cSld>
+  <p:clrMapOvr>
+    <a:masterClrMapping/>
+  </p:clrMapOvr>
+  <p:transition spd="slow"/>
+</p:sld>
+</file>
+
+<file path=ppt/slides/slide11.xml><?xml version="1.0" encoding="utf-8"?>
+<p:sld xmlns:a="http://schemas.openxmlformats.org/drawingml/2006/main" xmlns:r="http://schemas.openxmlformats.org/officeDocument/2006/relationships" xmlns:p="http://schemas.openxmlformats.org/presentationml/2006/main">
+  <p:cSld>
+    <p:spTree>
+      <p:nvGrpSpPr>
+        <p:cNvPr id="1" name=""/>
+        <p:cNvGrpSpPr/>
+        <p:nvPr/>
+      </p:nvGrpSpPr>
+      <p:grpSpPr>
+        <a:xfrm>
+          <a:off x="0" y="0"/>
+          <a:ext cx="0" cy="0"/>
+          <a:chOff x="0" y="0"/>
+          <a:chExt cx="0" cy="0"/>
+        </a:xfrm>
+      </p:grpSpPr>
+      <p:sp>
+        <p:nvSpPr>
+          <p:cNvPr id="128" name="Shape 128"/>
+          <p:cNvSpPr>
+            <a:spLocks noGrp="1"/>
+          </p:cNvSpPr>
+          <p:nvPr>
+            <p:ph type="title"/>
+          </p:nvPr>
+        </p:nvSpPr>
+        <p:spPr>
+          <a:prstGeom prst="rect">
+            <a:avLst/>
+          </a:prstGeom>
+        </p:spPr>
+        <p:txBody>
+          <a:bodyPr/>
+          <a:lstStyle/>
+          <a:p>
+            <a:r>
+              <a:rPr lang="sk-SK" dirty="0"/>
+              <a:t>Články</a:t>
+            </a:r>
+            <a:r>
+              <a:rPr dirty="0"/>
+              <a:t> </a:t>
+            </a:r>
+          </a:p>
+        </p:txBody>
+      </p:sp>
+      <p:sp>
+        <p:nvSpPr>
+          <p:cNvPr id="129" name="Shape 129"/>
+          <p:cNvSpPr>
+            <a:spLocks noGrp="1"/>
+          </p:cNvSpPr>
+          <p:nvPr>
+            <p:ph type="body" idx="1"/>
+          </p:nvPr>
+        </p:nvSpPr>
+        <p:spPr>
+          <a:xfrm>
+            <a:off x="952500" y="2603500"/>
+            <a:ext cx="10862668" cy="6286500"/>
+          </a:xfrm>
+          <a:prstGeom prst="rect">
+            <a:avLst/>
+          </a:prstGeom>
+        </p:spPr>
+        <p:txBody>
+          <a:bodyPr>
+            <a:normAutofit/>
+          </a:bodyPr>
+          <a:lstStyle/>
+          <a:p>
+            <a:r>
+              <a:rPr lang="en-US" dirty="0"/>
+              <a:t>Robust Monte Carlo localization for mobile robots </a:t>
+            </a:r>
+          </a:p>
+          <a:p>
+            <a:r>
+              <a:rPr lang="en-US" dirty="0"/>
+              <a:t>Mobile Robot Localization: A Review of Probabilistic Map- Based Techniques</a:t>
+            </a:r>
+          </a:p>
+          <a:p>
+            <a:r>
+              <a:rPr lang="en-US" dirty="0"/>
+              <a:t>Map-based navigation in mobile robots</a:t>
+            </a:r>
+          </a:p>
+          <a:p>
+            <a:r>
+              <a:rPr lang="en-US" dirty="0" err="1"/>
+              <a:t>HipMCL</a:t>
+            </a:r>
+            <a:r>
+              <a:rPr lang="en-US" dirty="0"/>
+              <a:t>: a high-performance parallel implementation of the Markov clustering algorithm for large-scale networks</a:t>
+            </a:r>
+          </a:p>
+        </p:txBody>
+      </p:sp>
+    </p:spTree>
+    <p:extLst>
+      <p:ext uri="{BB962C8B-B14F-4D97-AF65-F5344CB8AC3E}">
+        <p14:creationId xmlns:p14="http://schemas.microsoft.com/office/powerpoint/2010/main" val="2153604360"/>
+      </p:ext>
+    </p:extLst>
+  </p:cSld>
+  <p:clrMapOvr>
+    <a:masterClrMapping/>
+  </p:clrMapOvr>
+  <p:transition spd="slow"/>
+</p:sld>
+</file>
+
+<file path=ppt/slides/slide12.xml><?xml version="1.0" encoding="utf-8"?>
+<p:sld xmlns:a="http://schemas.openxmlformats.org/drawingml/2006/main" xmlns:r="http://schemas.openxmlformats.org/officeDocument/2006/relationships" xmlns:p="http://schemas.openxmlformats.org/presentationml/2006/main">
+  <p:cSld>
+    <p:spTree>
+      <p:nvGrpSpPr>
+        <p:cNvPr id="1" name=""/>
+        <p:cNvGrpSpPr/>
+        <p:nvPr/>
+      </p:nvGrpSpPr>
+      <p:grpSpPr>
+        <a:xfrm>
+          <a:off x="0" y="0"/>
+          <a:ext cx="0" cy="0"/>
+          <a:chOff x="0" y="0"/>
+          <a:chExt cx="0" cy="0"/>
+        </a:xfrm>
+      </p:grpSpPr>
+      <p:sp>
+        <p:nvSpPr>
           <p:cNvPr id="155" name="Shape 155"/>
           <p:cNvSpPr>
             <a:spLocks noGrp="1"/>
@@ -3443,15 +3664,7 @@
             </a:r>
             <a:r>
               <a:rPr lang="en-US" dirty="0"/>
-              <a:t> do </a:t>
-            </a:r>
-            <a:r>
-              <a:rPr lang="en-US" dirty="0" err="1"/>
-              <a:t>tejto</a:t>
-            </a:r>
-            <a:r>
-              <a:rPr lang="en-US" dirty="0"/>
-              <a:t> </a:t>
+              <a:t> do </a:t>
             </a:r>
             <a:r>
               <a:rPr lang="en-US" dirty="0" err="1"/>
@@ -4072,58 +4285,101 @@
           <a:lstStyle/>
           <a:p>
             <a:r>
-              <a:rPr lang="sk-SK" dirty="0"/>
-              <a:t>Literatúra</a:t>
-            </a:r>
-            <a:r>
-              <a:rPr dirty="0"/>
+              <a:rPr lang="en-US" dirty="0"/>
+              <a:t>Monte </a:t>
+            </a:r>
+            <a:r>
+              <a:rPr lang="en-US" dirty="0" err="1"/>
+              <a:t>carlo</a:t>
+            </a:r>
+            <a:r>
+              <a:rPr lang="en-US" dirty="0"/>
               <a:t> </a:t>
             </a:r>
+            <a:r>
+              <a:rPr lang="en-US" dirty="0" err="1"/>
+              <a:t>locatization</a:t>
+            </a:r>
+            <a:endParaRPr lang="en-US" dirty="0"/>
           </a:p>
         </p:txBody>
       </p:sp>
-      <p:sp>
-        <p:nvSpPr>
-          <p:cNvPr id="129" name="Shape 129"/>
-          <p:cNvSpPr>
-            <a:spLocks noGrp="1"/>
-          </p:cNvSpPr>
-          <p:nvPr>
-            <p:ph type="body" idx="1"/>
-          </p:nvPr>
-        </p:nvSpPr>
+      <p:pic>
+        <p:nvPicPr>
+          <p:cNvPr id="3" name="Picture 2">
+            <a:extLst>
+              <a:ext uri="{FF2B5EF4-FFF2-40B4-BE49-F238E27FC236}">
+                <a16:creationId xmlns:a16="http://schemas.microsoft.com/office/drawing/2014/main" id="{0596A8F1-01DA-0440-B909-8C3319A300FF}"/>
+              </a:ext>
+            </a:extLst>
+          </p:cNvPr>
+          <p:cNvPicPr>
+            <a:picLocks noChangeAspect="1"/>
+          </p:cNvPicPr>
+          <p:nvPr/>
+        </p:nvPicPr>
+        <p:blipFill>
+          <a:blip r:embed="rId2">
+            <a:extLst>
+              <a:ext uri="{28A0092B-C50C-407E-A947-70E740481C1C}">
+                <a14:useLocalDpi xmlns:a14="http://schemas.microsoft.com/office/drawing/2010/main" val="0"/>
+              </a:ext>
+            </a:extLst>
+          </a:blip>
+          <a:stretch>
+            <a:fillRect/>
+          </a:stretch>
+        </p:blipFill>
         <p:spPr>
           <a:xfrm>
-            <a:off x="952500" y="2603500"/>
-            <a:ext cx="10862668" cy="6286500"/>
+            <a:off x="952500" y="3163939"/>
+            <a:ext cx="4961528" cy="4903430"/>
           </a:xfrm>
           <a:prstGeom prst="rect">
             <a:avLst/>
           </a:prstGeom>
         </p:spPr>
-        <p:txBody>
-          <a:bodyPr>
-            <a:normAutofit/>
-          </a:bodyPr>
-          <a:lstStyle/>
-          <a:p>
-            <a:r>
-              <a:rPr lang="en-US" dirty="0"/>
-              <a:t>PROBABILISTIC ROBOTICS</a:t>
-            </a:r>
-          </a:p>
-          <a:p>
-            <a:r>
-              <a:rPr lang="en-US" dirty="0"/>
-              <a:t>The CUDA HANDBOOK. A Comprehensive Guide to GPU Programming</a:t>
-            </a:r>
-          </a:p>
-        </p:txBody>
-      </p:sp>
+      </p:pic>
+      <p:pic>
+        <p:nvPicPr>
+          <p:cNvPr id="6" name="Picture 5">
+            <a:extLst>
+              <a:ext uri="{FF2B5EF4-FFF2-40B4-BE49-F238E27FC236}">
+                <a16:creationId xmlns:a16="http://schemas.microsoft.com/office/drawing/2014/main" id="{C109EF21-00C6-BD49-97C1-24A6F912EB7C}"/>
+              </a:ext>
+            </a:extLst>
+          </p:cNvPr>
+          <p:cNvPicPr>
+            <a:picLocks noChangeAspect="1"/>
+          </p:cNvPicPr>
+          <p:nvPr/>
+        </p:nvPicPr>
+        <p:blipFill>
+          <a:blip r:embed="rId3">
+            <a:extLst>
+              <a:ext uri="{28A0092B-C50C-407E-A947-70E740481C1C}">
+                <a14:useLocalDpi xmlns:a14="http://schemas.microsoft.com/office/drawing/2010/main" val="0"/>
+              </a:ext>
+            </a:extLst>
+          </a:blip>
+          <a:stretch>
+            <a:fillRect/>
+          </a:stretch>
+        </p:blipFill>
+        <p:spPr>
+          <a:xfrm>
+            <a:off x="7079154" y="3163939"/>
+            <a:ext cx="4973146" cy="4903430"/>
+          </a:xfrm>
+          <a:prstGeom prst="rect">
+            <a:avLst/>
+          </a:prstGeom>
+        </p:spPr>
+      </p:pic>
     </p:spTree>
     <p:extLst>
       <p:ext uri="{BB962C8B-B14F-4D97-AF65-F5344CB8AC3E}">
-        <p14:creationId xmlns:p14="http://schemas.microsoft.com/office/powerpoint/2010/main" val="1114701924"/>
+        <p14:creationId xmlns:p14="http://schemas.microsoft.com/office/powerpoint/2010/main" val="1912582590"/>
       </p:ext>
     </p:extLst>
   </p:cSld>
@@ -4171,74 +4427,101 @@
           <a:lstStyle/>
           <a:p>
             <a:r>
-              <a:rPr lang="sk-SK" dirty="0"/>
-              <a:t>Články</a:t>
-            </a:r>
-            <a:r>
-              <a:rPr dirty="0"/>
+              <a:rPr lang="en-US" dirty="0"/>
+              <a:t>Monte </a:t>
+            </a:r>
+            <a:r>
+              <a:rPr lang="en-US" dirty="0" err="1"/>
+              <a:t>carlo</a:t>
+            </a:r>
+            <a:r>
+              <a:rPr lang="en-US" dirty="0"/>
               <a:t> </a:t>
             </a:r>
+            <a:r>
+              <a:rPr lang="en-US" dirty="0" err="1"/>
+              <a:t>locatization</a:t>
+            </a:r>
+            <a:endParaRPr lang="en-US" dirty="0"/>
           </a:p>
         </p:txBody>
       </p:sp>
-      <p:sp>
-        <p:nvSpPr>
-          <p:cNvPr id="129" name="Shape 129"/>
-          <p:cNvSpPr>
-            <a:spLocks noGrp="1"/>
-          </p:cNvSpPr>
-          <p:nvPr>
-            <p:ph type="body" idx="1"/>
-          </p:nvPr>
-        </p:nvSpPr>
+      <p:pic>
+        <p:nvPicPr>
+          <p:cNvPr id="4" name="Picture 3">
+            <a:extLst>
+              <a:ext uri="{FF2B5EF4-FFF2-40B4-BE49-F238E27FC236}">
+                <a16:creationId xmlns:a16="http://schemas.microsoft.com/office/drawing/2014/main" id="{BBE146B0-00F4-E640-8AF0-AFED15DABAF8}"/>
+              </a:ext>
+            </a:extLst>
+          </p:cNvPr>
+          <p:cNvPicPr>
+            <a:picLocks noChangeAspect="1"/>
+          </p:cNvPicPr>
+          <p:nvPr/>
+        </p:nvPicPr>
+        <p:blipFill>
+          <a:blip r:embed="rId2">
+            <a:extLst>
+              <a:ext uri="{28A0092B-C50C-407E-A947-70E740481C1C}">
+                <a14:useLocalDpi xmlns:a14="http://schemas.microsoft.com/office/drawing/2010/main" val="0"/>
+              </a:ext>
+            </a:extLst>
+          </a:blip>
+          <a:stretch>
+            <a:fillRect/>
+          </a:stretch>
+        </p:blipFill>
         <p:spPr>
           <a:xfrm>
-            <a:off x="952500" y="2603500"/>
-            <a:ext cx="10862668" cy="6286500"/>
+            <a:off x="952500" y="3119693"/>
+            <a:ext cx="4920021" cy="4873932"/>
           </a:xfrm>
           <a:prstGeom prst="rect">
             <a:avLst/>
           </a:prstGeom>
         </p:spPr>
-        <p:txBody>
-          <a:bodyPr>
-            <a:normAutofit/>
-          </a:bodyPr>
-          <a:lstStyle/>
-          <a:p>
-            <a:r>
-              <a:rPr lang="en-US" dirty="0"/>
-              <a:t>Robust Monte Carlo localization for mobile robots </a:t>
-            </a:r>
-          </a:p>
-          <a:p>
-            <a:r>
-              <a:rPr lang="en-US" dirty="0"/>
-              <a:t>Mobile Robot Localization: A Review of Probabilistic Map- Based Techniques</a:t>
-            </a:r>
-          </a:p>
-          <a:p>
-            <a:r>
-              <a:rPr lang="en-US" dirty="0"/>
-              <a:t>Map-based navigation in mobile robots</a:t>
-            </a:r>
-          </a:p>
-          <a:p>
-            <a:r>
-              <a:rPr lang="en-US" dirty="0" err="1"/>
-              <a:t>HipMCL</a:t>
-            </a:r>
-            <a:r>
-              <a:rPr lang="en-US" dirty="0"/>
-              <a:t>: a high-performance parallel implementation of the Markov clustering algorithm for large-scale networks</a:t>
-            </a:r>
-          </a:p>
-        </p:txBody>
-      </p:sp>
+      </p:pic>
+      <p:pic>
+        <p:nvPicPr>
+          <p:cNvPr id="7" name="Picture 6">
+            <a:extLst>
+              <a:ext uri="{FF2B5EF4-FFF2-40B4-BE49-F238E27FC236}">
+                <a16:creationId xmlns:a16="http://schemas.microsoft.com/office/drawing/2014/main" id="{96DF3F21-5566-B041-B5E6-F8BAFC3316E0}"/>
+              </a:ext>
+            </a:extLst>
+          </p:cNvPr>
+          <p:cNvPicPr>
+            <a:picLocks noChangeAspect="1"/>
+          </p:cNvPicPr>
+          <p:nvPr/>
+        </p:nvPicPr>
+        <p:blipFill>
+          <a:blip r:embed="rId3">
+            <a:extLst>
+              <a:ext uri="{28A0092B-C50C-407E-A947-70E740481C1C}">
+                <a14:useLocalDpi xmlns:a14="http://schemas.microsoft.com/office/drawing/2010/main" val="0"/>
+              </a:ext>
+            </a:extLst>
+          </a:blip>
+          <a:stretch>
+            <a:fillRect/>
+          </a:stretch>
+        </p:blipFill>
+        <p:spPr>
+          <a:xfrm>
+            <a:off x="7079226" y="3119693"/>
+            <a:ext cx="4973074" cy="5007769"/>
+          </a:xfrm>
+          <a:prstGeom prst="rect">
+            <a:avLst/>
+          </a:prstGeom>
+        </p:spPr>
+      </p:pic>
     </p:spTree>
     <p:extLst>
       <p:ext uri="{BB962C8B-B14F-4D97-AF65-F5344CB8AC3E}">
-        <p14:creationId xmlns:p14="http://schemas.microsoft.com/office/powerpoint/2010/main" val="2153604360"/>
+        <p14:creationId xmlns:p14="http://schemas.microsoft.com/office/powerpoint/2010/main" val="3647277189"/>
       </p:ext>
     </p:extLst>
   </p:cSld>
